--- a/docs/res/Java EE - Pertemuan 6.pptx
+++ b/docs/res/Java EE - Pertemuan 6.pptx
@@ -5,7 +5,7 @@
     <p:sldMasterId id="2147483648" r:id="rId1"/>
   </p:sldMasterIdLst>
   <p:notesMasterIdLst>
-    <p:notesMasterId r:id="rId15"/>
+    <p:notesMasterId r:id="rId13"/>
   </p:notesMasterIdLst>
   <p:sldIdLst>
     <p:sldId id="257" r:id="rId3"/>
@@ -14,12 +14,10 @@
     <p:sldId id="268" r:id="rId6"/>
     <p:sldId id="289" r:id="rId7"/>
     <p:sldId id="278" r:id="rId8"/>
-    <p:sldId id="291" r:id="rId9"/>
-    <p:sldId id="273" r:id="rId10"/>
-    <p:sldId id="274" r:id="rId11"/>
-    <p:sldId id="292" r:id="rId12"/>
-    <p:sldId id="294" r:id="rId13"/>
-    <p:sldId id="293" r:id="rId14"/>
+    <p:sldId id="273" r:id="rId9"/>
+    <p:sldId id="274" r:id="rId10"/>
+    <p:sldId id="296" r:id="rId11"/>
+    <p:sldId id="295" r:id="rId12"/>
   </p:sldIdLst>
   <p:sldSz cx="12192000" cy="6858000"/>
   <p:notesSz cx="6858000" cy="9144000"/>
@@ -3664,200 +3662,34 @@
         <p:txBody>
           <a:bodyPr/>
           <a:p>
+            <a:endParaRPr lang="en-US"/>
+          </a:p>
+        </p:txBody>
+      </p:sp>
+      <p:sp>
+        <p:nvSpPr>
+          <p:cNvPr id="3" name="Content Placeholder 2"/>
+          <p:cNvSpPr>
+            <a:spLocks noGrp="1"/>
+          </p:cNvSpPr>
+          <p:nvPr>
+            <p:ph idx="1"/>
+          </p:nvPr>
+        </p:nvSpPr>
+        <p:spPr/>
+        <p:txBody>
+          <a:bodyPr/>
+          <a:p>
             <a:r>
               <a:rPr lang="en-US"/>
-              <a:t>Latihan</a:t>
-            </a:r>
-            <a:endParaRPr lang="en-US"/>
-          </a:p>
-        </p:txBody>
-      </p:sp>
-      <p:sp>
-        <p:nvSpPr>
-          <p:cNvPr id="3" name="Content Placeholder 2"/>
-          <p:cNvSpPr>
-            <a:spLocks noGrp="1"/>
-          </p:cNvSpPr>
-          <p:nvPr>
-            <p:ph idx="1"/>
-          </p:nvPr>
-        </p:nvSpPr>
-        <p:spPr/>
-        <p:txBody>
-          <a:bodyPr/>
-          <a:p>
-            <a:pPr marL="0" indent="0">
-              <a:buNone/>
-            </a:pPr>
-            <a:r>
-              <a:rPr lang="en-US" altLang="en-US" sz="2800"/>
-              <a:t>Rubah file pada latihan sebelumnya dengan mengimplementasi model MVC dan menggunakan JSTL</a:t>
-            </a:r>
-            <a:endParaRPr lang="en-US" altLang="en-US" sz="2800"/>
-          </a:p>
-          <a:p>
-            <a:r>
-              <a:rPr lang="en-US" altLang="en-US" sz="2800"/>
-              <a:t>Rubah classuser2.jsp menjadi classuser2controller.jsp dan classuser2view.jsp.</a:t>
-            </a:r>
-            <a:endParaRPr lang="en-US" altLang="en-US" sz="2800"/>
-          </a:p>
-          <a:p>
-            <a:r>
-              <a:rPr lang="en-US" altLang="en-US" sz="2800"/>
-              <a:t>Opsional: Daftar user bisa dibuat menjadi class terpisah, misal: DaftarUser.  (lihat kembali Daftar.class pada contoh yang kita pelajari tadi)</a:t>
-            </a:r>
-            <a:endParaRPr lang="en-US" altLang="en-US" sz="2800"/>
-          </a:p>
-        </p:txBody>
-      </p:sp>
-    </p:spTree>
-  </p:cSld>
-  <p:clrMapOvr>
-    <a:masterClrMapping/>
-  </p:clrMapOvr>
-</p:sld>
-</file>
-
-<file path=ppt/slides/slide11.xml><?xml version="1.0" encoding="utf-8"?>
-<p:sld xmlns:a="http://schemas.openxmlformats.org/drawingml/2006/main" xmlns:r="http://schemas.openxmlformats.org/officeDocument/2006/relationships" xmlns:p="http://schemas.openxmlformats.org/presentationml/2006/main">
-  <p:cSld>
-    <p:spTree>
-      <p:nvGrpSpPr>
-        <p:cNvPr id="1" name=""/>
-        <p:cNvGrpSpPr/>
-        <p:nvPr/>
-      </p:nvGrpSpPr>
-      <p:grpSpPr/>
-      <p:sp>
-        <p:nvSpPr>
-          <p:cNvPr id="4" name="Title 3"/>
-          <p:cNvSpPr>
-            <a:spLocks noGrp="1"/>
-          </p:cNvSpPr>
-          <p:nvPr>
-            <p:ph type="title"/>
-          </p:nvPr>
-        </p:nvSpPr>
-        <p:spPr/>
-        <p:txBody>
-          <a:bodyPr/>
-          <a:p>
-            <a:r>
-              <a:rPr lang="en-US">
-                <a:solidFill>
-                  <a:schemeClr val="tx1"/>
-                </a:solidFill>
-              </a:rPr>
-              <a:t>Tugas </a:t>
-            </a:r>
-            <a:endParaRPr lang="en-US">
-              <a:solidFill>
-                <a:schemeClr val="tx1"/>
-              </a:solidFill>
-            </a:endParaRPr>
-          </a:p>
-        </p:txBody>
-      </p:sp>
-      <p:sp>
-        <p:nvSpPr>
-          <p:cNvPr id="5" name="Text Placeholder 4"/>
-          <p:cNvSpPr>
-            <a:spLocks noGrp="1"/>
-          </p:cNvSpPr>
-          <p:nvPr>
-            <p:ph type="body" idx="1"/>
-          </p:nvPr>
-        </p:nvSpPr>
-        <p:spPr/>
-        <p:txBody>
-          <a:bodyPr/>
-          <a:p>
-            <a:endParaRPr lang="en-US"/>
-          </a:p>
-        </p:txBody>
-      </p:sp>
-    </p:spTree>
-  </p:cSld>
-  <p:clrMapOvr>
-    <a:masterClrMapping/>
-  </p:clrMapOvr>
-</p:sld>
-</file>
-
-<file path=ppt/slides/slide12.xml><?xml version="1.0" encoding="utf-8"?>
-<p:sld xmlns:a="http://schemas.openxmlformats.org/drawingml/2006/main" xmlns:r="http://schemas.openxmlformats.org/officeDocument/2006/relationships" xmlns:p="http://schemas.openxmlformats.org/presentationml/2006/main">
-  <p:cSld>
-    <p:spTree>
-      <p:nvGrpSpPr>
-        <p:cNvPr id="1" name=""/>
-        <p:cNvGrpSpPr/>
-        <p:nvPr/>
-      </p:nvGrpSpPr>
-      <p:grpSpPr/>
-      <p:sp>
-        <p:nvSpPr>
-          <p:cNvPr id="2" name="Title 1"/>
-          <p:cNvSpPr>
-            <a:spLocks noGrp="1"/>
-          </p:cNvSpPr>
-          <p:nvPr>
-            <p:ph type="title"/>
-          </p:nvPr>
-        </p:nvSpPr>
-        <p:spPr/>
-        <p:txBody>
-          <a:bodyPr/>
+              <a:t>Rubah classuser8.jsp dari tugas sebelumnya dengan mengimplementasikan JSTL</a:t>
+            </a:r>
+            <a:endParaRPr lang="en-US"/>
+          </a:p>
           <a:p>
             <a:r>
               <a:rPr lang="en-US"/>
-              <a:t>Tugas</a:t>
-            </a:r>
-            <a:endParaRPr lang="en-US"/>
-          </a:p>
-        </p:txBody>
-      </p:sp>
-      <p:sp>
-        <p:nvSpPr>
-          <p:cNvPr id="3" name="Content Placeholder 2"/>
-          <p:cNvSpPr>
-            <a:spLocks noGrp="1"/>
-          </p:cNvSpPr>
-          <p:nvPr>
-            <p:ph idx="1"/>
-          </p:nvPr>
-        </p:nvSpPr>
-        <p:spPr/>
-        <p:txBody>
-          <a:bodyPr/>
-          <a:p>
-            <a:r>
-              <a:rPr lang="en-US"/>
-              <a:t>Rubah classuser8.jsp pada tugas minggu lalu menjadi bentuk MVC menggunakan JSTL</a:t>
-            </a:r>
-            <a:endParaRPr lang="en-US"/>
-          </a:p>
-          <a:p>
-            <a:pPr lvl="0"/>
-            <a:r>
-              <a:rPr lang="en-US"/>
-              <a:t>File:</a:t>
-            </a:r>
-            <a:endParaRPr lang="en-US"/>
-          </a:p>
-          <a:p>
-            <a:pPr lvl="1"/>
-            <a:r>
-              <a:rPr lang="en-US"/>
-              <a:t>classuser8controller.jsp</a:t>
-            </a:r>
-            <a:endParaRPr lang="en-US"/>
-          </a:p>
-          <a:p>
-            <a:pPr lvl="1"/>
-            <a:r>
-              <a:rPr lang="en-US"/>
-              <a:t>classuser8view.jsp</a:t>
+              <a:t>File: classuser8b.jsp</a:t>
             </a:r>
             <a:endParaRPr lang="en-US"/>
           </a:p>
@@ -4001,15 +3833,7 @@
             </a:r>
             <a:r>
               <a:rPr lang="en-US" altLang="en-US"/>
-              <a:t>) di Java EE ini merupakan fitur khusus yang digunakan untuk membantu pembangunan web, terutama terkait penerapan model pengembangan MVC (</a:t>
-            </a:r>
-            <a:r>
-              <a:rPr lang="en-US" altLang="en-US" i="1"/>
-              <a:t>Model-View-Controller</a:t>
-            </a:r>
-            <a:r>
-              <a:rPr lang="en-US" altLang="en-US"/>
-              <a:t>).</a:t>
+              <a:t>) di Java EE ini merupakan fitur khusus yang digunakan untuk membantu pembangunan web.</a:t>
             </a:r>
             <a:endParaRPr lang="en-US" altLang="en-US"/>
           </a:p>
@@ -4240,23 +4064,11 @@
           <a:p>
             <a:pPr lvl="1"/>
             <a:r>
-              <a:rPr lang="en-US" altLang="en-US">
-                <a:hlinkClick r:id="rId1" tooltip="" action="ppaction://hlinkfile"/>
-              </a:rPr>
-              <a:t>controller2.jsp</a:t>
-            </a:r>
-            <a:endParaRPr lang="en-US" altLang="en-US"/>
-          </a:p>
-          <a:p>
-            <a:pPr lvl="1"/>
-            <a:r>
-              <a:rPr lang="en-US" altLang="en-US">
-                <a:hlinkClick r:id="rId2" tooltip="" action="ppaction://hlinkfile"/>
-              </a:rPr>
-              <a:t>view2.jsp</a:t>
+              <a:rPr lang="en-US" altLang="en-US"/>
+              <a:t>jstl1.jsp</a:t>
             </a:r>
             <a:endParaRPr lang="en-US" altLang="en-US">
-              <a:hlinkClick r:id="rId2" tooltip="" action="ppaction://hlinkfile"/>
+              <a:hlinkClick r:id="rId1" action="ppaction://hlinkfile"/>
             </a:endParaRPr>
           </a:p>
           <a:p>
@@ -4276,9 +4088,23 @@
             <a:r>
               <a:rPr lang="en-US" altLang="en-US" sz="3200">
                 <a:sym typeface="+mn-ea"/>
+                <a:hlinkClick r:id="rId2" action="ppaction://hlinkfile"/>
+              </a:rPr>
+              <a:t>Sisw</a:t>
+            </a:r>
+            <a:r>
+              <a:rPr lang="en-US" altLang="en-US" sz="3200">
+                <a:sym typeface="+mn-ea"/>
                 <a:hlinkClick r:id="rId3" action="ppaction://hlinkfile"/>
               </a:rPr>
-              <a:t>Siswa.class</a:t>
+              <a:t>a</a:t>
+            </a:r>
+            <a:r>
+              <a:rPr lang="en-US" altLang="en-US" sz="3200">
+                <a:sym typeface="+mn-ea"/>
+                <a:hlinkClick r:id="rId2" action="ppaction://hlinkfile"/>
+              </a:rPr>
+              <a:t>.class</a:t>
             </a:r>
             <a:endParaRPr lang="en-US" altLang="en-US" sz="3200"/>
           </a:p>
@@ -4434,19 +4260,7 @@
               <a:rPr lang="en-US" altLang="en-US" sz="2400">
                 <a:sym typeface="+mn-ea"/>
               </a:rPr>
-              <a:t>Apa fungsi perintah berikut pada </a:t>
-            </a:r>
-            <a:r>
-              <a:rPr lang="en-US" altLang="en-US" sz="2400" b="1">
-                <a:sym typeface="+mn-ea"/>
-              </a:rPr>
-              <a:t>controller1.jsp</a:t>
-            </a:r>
-            <a:r>
-              <a:rPr lang="en-US" altLang="en-US" sz="2400">
-                <a:sym typeface="+mn-ea"/>
-              </a:rPr>
-              <a:t>?</a:t>
+              <a:t>Apa fungsi perintah berikut?</a:t>
             </a:r>
             <a:br>
               <a:rPr lang="en-US" altLang="en-US" sz="2400">
@@ -4491,54 +4305,46 @@
               </a:rPr>
               <a:t>request.setAttribute("daftarsiswa", daftar.getList());</a:t>
             </a:r>
+            <a:endParaRPr lang="en-US" altLang="en-US" sz="1400">
+              <a:latin typeface="Consolas" panose="020B0609020204030204" charset="0"/>
+              <a:cs typeface="Consolas" panose="020B0609020204030204" charset="0"/>
+              <a:sym typeface="+mn-ea"/>
+            </a:endParaRPr>
+          </a:p>
+          <a:p>
+            <a:r>
+              <a:rPr lang="en-US" altLang="en-US" sz="2400">
+                <a:sym typeface="+mn-ea"/>
+              </a:rPr>
+              <a:t>Bagian mana yang disebut EL?</a:t>
+            </a:r>
             <a:endParaRPr lang="en-US" altLang="en-US" sz="2400">
               <a:sym typeface="+mn-ea"/>
             </a:endParaRPr>
           </a:p>
           <a:p>
             <a:r>
-              <a:rPr lang="en-US" altLang="en-US" sz="2400"/>
-              <a:t>Apa fungsi perintah berikut pada </a:t>
-            </a:r>
-            <a:r>
-              <a:rPr lang="en-US" altLang="en-US" sz="2400" b="1"/>
-              <a:t>controller1.jsp</a:t>
-            </a:r>
-            <a:r>
-              <a:rPr lang="en-US" altLang="en-US" sz="2400"/>
-              <a:t>?</a:t>
-            </a:r>
-            <a:br>
-              <a:rPr lang="en-US" altLang="en-US" sz="2400"/>
-            </a:br>
-            <a:r>
-              <a:rPr lang="en-US" altLang="en-US" sz="1400">
-                <a:latin typeface="Consolas" panose="020B0609020204030204" charset="0"/>
-                <a:cs typeface="Consolas" panose="020B0609020204030204" charset="0"/>
-              </a:rPr>
-              <a:t>RequestDispatcher dispacher = request.getRequestDispatcher("view2.jsp");</a:t>
-            </a:r>
-            <a:br>
-              <a:rPr lang="en-US" altLang="en-US" sz="1400">
-                <a:latin typeface="Consolas" panose="020B0609020204030204" charset="0"/>
-                <a:cs typeface="Consolas" panose="020B0609020204030204" charset="0"/>
-              </a:rPr>
-            </a:br>
-            <a:r>
-              <a:rPr lang="en-US" altLang="en-US" sz="1400">
-                <a:latin typeface="Consolas" panose="020B0609020204030204" charset="0"/>
-                <a:cs typeface="Consolas" panose="020B0609020204030204" charset="0"/>
-              </a:rPr>
-              <a:t>dispacher.forward(request, response);</a:t>
-            </a:r>
-            <a:endParaRPr lang="en-US" altLang="en-US" sz="2400"/>
-          </a:p>
-          <a:p>
-            <a:br>
               <a:rPr lang="en-US" altLang="en-US" sz="2400">
                 <a:sym typeface="+mn-ea"/>
               </a:rPr>
-            </a:br>
+              <a:t>Apa saja kegunaan tag &lt;c:out&gt; &lt;c:if&gt; &lt;c:forEach&gt;</a:t>
+            </a:r>
+            <a:endParaRPr lang="en-US" altLang="en-US" sz="2400">
+              <a:sym typeface="+mn-ea"/>
+            </a:endParaRPr>
+          </a:p>
+          <a:p>
+            <a:r>
+              <a:rPr lang="en-US" altLang="en-US" sz="2400">
+                <a:sym typeface="+mn-ea"/>
+              </a:rPr>
+              <a:t>Selain tag tersebut, tag JTSL apa saja yang Anda bisa temukan di internet? Apa kegunaannya?</a:t>
+            </a:r>
+            <a:endParaRPr lang="en-US" altLang="en-US" sz="2400">
+              <a:sym typeface="+mn-ea"/>
+            </a:endParaRPr>
+          </a:p>
+          <a:p>
             <a:endParaRPr lang="en-US" altLang="en-US" sz="2400"/>
           </a:p>
         </p:txBody>
@@ -4585,7 +4391,7 @@
       <p:grpSpPr/>
       <p:sp>
         <p:nvSpPr>
-          <p:cNvPr id="2" name="Title 1"/>
+          <p:cNvPr id="4" name="Title 3"/>
           <p:cNvSpPr>
             <a:spLocks noGrp="1"/>
           </p:cNvSpPr>
@@ -4598,91 +4404,39 @@
           <a:bodyPr/>
           <a:p>
             <a:r>
-              <a:rPr lang="en-US"/>
-              <a:t>Diskusi</a:t>
-            </a:r>
-            <a:endParaRPr lang="en-US"/>
-          </a:p>
-        </p:txBody>
-      </p:sp>
-      <p:sp>
-        <p:nvSpPr>
-          <p:cNvPr id="3" name="Content Placeholder 2"/>
-          <p:cNvSpPr>
-            <a:spLocks noGrp="1"/>
-          </p:cNvSpPr>
-          <p:nvPr>
-            <p:ph idx="1"/>
-          </p:nvPr>
-        </p:nvSpPr>
-        <p:spPr>
-          <a:xfrm>
-            <a:off x="4255135" y="1174750"/>
-            <a:ext cx="7327265" cy="4953000"/>
-          </a:xfrm>
-        </p:spPr>
-        <p:txBody>
-          <a:bodyPr/>
-          <a:p>
-            <a:r>
-              <a:rPr lang="en-US" altLang="en-US" sz="2400">
-                <a:sym typeface="+mn-ea"/>
+              <a:rPr lang="en-US">
+                <a:solidFill>
+                  <a:schemeClr val="tx1"/>
+                </a:solidFill>
               </a:rPr>
-              <a:t>Pada view2.jsp, bagian mana yang disebut EL?</a:t>
-            </a:r>
-            <a:endParaRPr lang="en-US" altLang="en-US" sz="2400">
-              <a:sym typeface="+mn-ea"/>
+              <a:t>Latihan</a:t>
+            </a:r>
+            <a:endParaRPr lang="en-US">
+              <a:solidFill>
+                <a:schemeClr val="tx1"/>
+              </a:solidFill>
             </a:endParaRPr>
           </a:p>
-          <a:p>
-            <a:r>
-              <a:rPr lang="en-US" altLang="en-US" sz="2400">
-                <a:sym typeface="+mn-ea"/>
-              </a:rPr>
-              <a:t>Apa saja kegunaan tag &lt;c:out&gt; &lt;c:if&gt; &lt;c:forEach&gt;</a:t>
-            </a:r>
-            <a:endParaRPr lang="en-US" altLang="en-US" sz="2400">
-              <a:sym typeface="+mn-ea"/>
-            </a:endParaRPr>
-          </a:p>
-          <a:p>
-            <a:r>
-              <a:rPr lang="en-US" altLang="en-US" sz="2400">
-                <a:sym typeface="+mn-ea"/>
-              </a:rPr>
-              <a:t>Selain tag tersebut, tag JTSL apa saja yang Anda bisa temukan di internet? Apa kegunaannya?</a:t>
-            </a:r>
-            <a:br>
-              <a:rPr lang="en-US" altLang="en-US" sz="2400">
-                <a:sym typeface="+mn-ea"/>
-              </a:rPr>
-            </a:br>
-            <a:endParaRPr lang="en-US" altLang="en-US" sz="2400"/>
-          </a:p>
-        </p:txBody>
-      </p:sp>
-      <p:pic>
-        <p:nvPicPr>
-          <p:cNvPr id="4" name="Picture 3"/>
-          <p:cNvPicPr/>
-          <p:nvPr/>
-        </p:nvPicPr>
-        <p:blipFill>
-          <a:blip r:embed="rId1"/>
-          <a:stretch>
-            <a:fillRect/>
-          </a:stretch>
-        </p:blipFill>
-        <p:spPr>
-          <a:xfrm>
-            <a:off x="609600" y="1174750"/>
-            <a:ext cx="3219450" cy="3219450"/>
-          </a:xfrm>
-          <a:prstGeom prst="rect">
-            <a:avLst/>
-          </a:prstGeom>
-        </p:spPr>
-      </p:pic>
+        </p:txBody>
+      </p:sp>
+      <p:sp>
+        <p:nvSpPr>
+          <p:cNvPr id="5" name="Text Placeholder 4"/>
+          <p:cNvSpPr>
+            <a:spLocks noGrp="1"/>
+          </p:cNvSpPr>
+          <p:nvPr>
+            <p:ph type="body" idx="1"/>
+          </p:nvPr>
+        </p:nvSpPr>
+        <p:spPr/>
+        <p:txBody>
+          <a:bodyPr/>
+          <a:p>
+            <a:endParaRPr lang="en-US"/>
+          </a:p>
+        </p:txBody>
+      </p:sp>
     </p:spTree>
   </p:cSld>
   <p:clrMapOvr>
@@ -4703,7 +4457,7 @@
       <p:grpSpPr/>
       <p:sp>
         <p:nvSpPr>
-          <p:cNvPr id="4" name="Title 3"/>
+          <p:cNvPr id="2" name="Title 1"/>
           <p:cNvSpPr>
             <a:spLocks noGrp="1"/>
           </p:cNvSpPr>
@@ -4716,36 +4470,145 @@
           <a:bodyPr/>
           <a:p>
             <a:r>
-              <a:rPr lang="en-US">
-                <a:solidFill>
-                  <a:schemeClr val="tx1"/>
-                </a:solidFill>
+              <a:rPr lang="en-US"/>
+              <a:t>Latihan</a:t>
+            </a:r>
+            <a:endParaRPr lang="en-US"/>
+          </a:p>
+        </p:txBody>
+      </p:sp>
+      <p:sp>
+        <p:nvSpPr>
+          <p:cNvPr id="3" name="Content Placeholder 2"/>
+          <p:cNvSpPr>
+            <a:spLocks noGrp="1"/>
+          </p:cNvSpPr>
+          <p:nvPr>
+            <p:ph idx="1"/>
+          </p:nvPr>
+        </p:nvSpPr>
+        <p:spPr/>
+        <p:txBody>
+          <a:bodyPr/>
+          <a:p>
+            <a:pPr marL="0" indent="0">
+              <a:buNone/>
+            </a:pPr>
+            <a:r>
+              <a:rPr lang="en-US" altLang="en-US" sz="2800"/>
+              <a:t>Lihat Latihan </a:t>
+            </a:r>
+            <a:r>
+              <a:rPr lang="en-US" altLang="en-US" sz="2800" b="1"/>
+              <a:t>Pertemuan 5</a:t>
+            </a:r>
+            <a:r>
+              <a:rPr lang="en-US" altLang="en-US" sz="2800"/>
+              <a:t> dengan mengimplementasi  JSTL</a:t>
+            </a:r>
+            <a:endParaRPr lang="en-US" altLang="en-US" sz="2800"/>
+          </a:p>
+          <a:p>
+            <a:r>
+              <a:rPr lang="en-US" altLang="en-US" sz="2800"/>
+              <a:t>classuser2.jsp</a:t>
+            </a:r>
+            <a:endParaRPr lang="en-US" altLang="en-US" sz="2800"/>
+          </a:p>
+          <a:p>
+            <a:pPr lvl="1"/>
+            <a:r>
+              <a:rPr lang="en-US" altLang="en-US" sz="2450"/>
+              <a:t>Gunakan JSTL untuk menampilkan array </a:t>
+            </a:r>
+            <a:r>
+              <a:rPr lang="en-US" altLang="en-US" sz="2450" b="1"/>
+              <a:t>daftar</a:t>
+            </a:r>
+            <a:r>
+              <a:rPr lang="en-US" altLang="en-US" sz="2450"/>
+              <a:t>.</a:t>
+            </a:r>
+            <a:endParaRPr lang="en-US" altLang="en-US" sz="2450"/>
+          </a:p>
+          <a:p>
+            <a:pPr lvl="1"/>
+            <a:r>
+              <a:rPr lang="en-US" altLang="en-US" sz="2450"/>
+              <a:t>simpan menggunakan file baru: classuser2b.jsp</a:t>
+            </a:r>
+            <a:endParaRPr lang="en-US" altLang="en-US" sz="2450"/>
+          </a:p>
+          <a:p>
+            <a:pPr lvl="0"/>
+            <a:r>
+              <a:rPr lang="en-US" altLang="en-US" sz="2800"/>
+              <a:t>Coba rubah </a:t>
+            </a:r>
+            <a:r>
+              <a:rPr lang="en-US" altLang="en-US" sz="2800" b="1"/>
+              <a:t>${row.namaLengkap()}</a:t>
+            </a:r>
+            <a:r>
+              <a:rPr lang="en-US" altLang="en-US" sz="2800"/>
+              <a:t> menjadi </a:t>
+            </a:r>
+            <a:r>
+              <a:rPr lang="en-US" altLang="en-US" sz="2800" b="1">
+                <a:sym typeface="+mn-ea"/>
               </a:rPr>
-              <a:t>Latihan</a:t>
-            </a:r>
-            <a:endParaRPr lang="en-US">
-              <a:solidFill>
-                <a:schemeClr val="tx1"/>
-              </a:solidFill>
+              <a:t>${row.namaDepan}</a:t>
+            </a:r>
+            <a:br>
+              <a:rPr lang="en-US" altLang="en-US" sz="2800">
+                <a:sym typeface="+mn-ea"/>
+              </a:rPr>
+            </a:br>
+            <a:r>
+              <a:rPr lang="en-US" altLang="en-US" sz="2800">
+                <a:sym typeface="+mn-ea"/>
+              </a:rPr>
+              <a:t>Jika dijalankan, mengapa program menjadi error?</a:t>
+            </a:r>
+            <a:endParaRPr lang="en-US" altLang="en-US" sz="2800">
+              <a:sym typeface="+mn-ea"/>
             </a:endParaRPr>
           </a:p>
-        </p:txBody>
-      </p:sp>
-      <p:sp>
-        <p:nvSpPr>
-          <p:cNvPr id="5" name="Text Placeholder 4"/>
-          <p:cNvSpPr>
-            <a:spLocks noGrp="1"/>
-          </p:cNvSpPr>
-          <p:nvPr>
-            <p:ph type="body" idx="1"/>
-          </p:nvPr>
-        </p:nvSpPr>
-        <p:spPr/>
-        <p:txBody>
-          <a:bodyPr/>
-          <a:p>
-            <a:endParaRPr lang="en-US"/>
+          <a:p>
+            <a:pPr lvl="0"/>
+            <a:r>
+              <a:rPr lang="en-US" altLang="en-US" sz="2800">
+                <a:sym typeface="+mn-ea"/>
+              </a:rPr>
+              <a:t>Apa yang harus dilakukan supaya kita bisa menampilkan nama depan?</a:t>
+            </a:r>
+            <a:endParaRPr lang="en-US" altLang="en-US" sz="2800">
+              <a:sym typeface="+mn-ea"/>
+            </a:endParaRPr>
+          </a:p>
+          <a:p>
+            <a:pPr lvl="0"/>
+            <a:r>
+              <a:rPr lang="en-US" altLang="en-US" sz="2800">
+                <a:sym typeface="+mn-ea"/>
+              </a:rPr>
+              <a:t>rubah </a:t>
+            </a:r>
+            <a:r>
+              <a:rPr lang="en-US" altLang="en-US" sz="2800" b="1">
+                <a:sym typeface="+mn-ea"/>
+              </a:rPr>
+              <a:t>classuser2b.jsp</a:t>
+            </a:r>
+            <a:r>
+              <a:rPr lang="en-US" altLang="en-US" sz="2800">
+                <a:sym typeface="+mn-ea"/>
+              </a:rPr>
+              <a:t>, sehingga menampilkan tulisan warna biru untuk jenis kelamin laki-laki, merah untuk perempuan</a:t>
+            </a:r>
+            <a:endParaRPr lang="en-US" altLang="en-US" sz="2800">
+              <a:sym typeface="+mn-ea"/>
+            </a:endParaRPr>
           </a:p>
         </p:txBody>
       </p:sp>
@@ -4769,7 +4632,7 @@
       <p:grpSpPr/>
       <p:sp>
         <p:nvSpPr>
-          <p:cNvPr id="2" name="Title 1"/>
+          <p:cNvPr id="4" name="Title 3"/>
           <p:cNvSpPr>
             <a:spLocks noGrp="1"/>
           </p:cNvSpPr>
@@ -4782,45 +4645,36 @@
           <a:bodyPr/>
           <a:p>
             <a:r>
-              <a:rPr lang="en-US"/>
-              <a:t>Latihan</a:t>
-            </a:r>
-            <a:endParaRPr lang="en-US"/>
-          </a:p>
-        </p:txBody>
-      </p:sp>
-      <p:sp>
-        <p:nvSpPr>
-          <p:cNvPr id="3" name="Content Placeholder 2"/>
-          <p:cNvSpPr>
-            <a:spLocks noGrp="1"/>
-          </p:cNvSpPr>
-          <p:nvPr>
-            <p:ph idx="1"/>
+              <a:rPr lang="en-US">
+                <a:solidFill>
+                  <a:schemeClr val="tx1"/>
+                </a:solidFill>
+              </a:rPr>
+              <a:t>Tugas</a:t>
+            </a:r>
+            <a:endParaRPr lang="en-US">
+              <a:solidFill>
+                <a:schemeClr val="tx1"/>
+              </a:solidFill>
+            </a:endParaRPr>
+          </a:p>
+        </p:txBody>
+      </p:sp>
+      <p:sp>
+        <p:nvSpPr>
+          <p:cNvPr id="5" name="Text Placeholder 4"/>
+          <p:cNvSpPr>
+            <a:spLocks noGrp="1"/>
+          </p:cNvSpPr>
+          <p:nvPr>
+            <p:ph type="body" idx="1"/>
           </p:nvPr>
         </p:nvSpPr>
         <p:spPr/>
         <p:txBody>
           <a:bodyPr/>
           <a:p>
-            <a:pPr marL="0" indent="0">
-              <a:buNone/>
-            </a:pPr>
-            <a:r>
-              <a:rPr lang="en-US" altLang="en-US" sz="2800"/>
-              <a:t>Rubah file pada latihan sebelumnya dengan mengimplementasi model MVC dan menggunakan JSTL</a:t>
-            </a:r>
-            <a:endParaRPr lang="en-US" altLang="en-US" sz="2800"/>
-          </a:p>
-          <a:p>
-            <a:r>
-              <a:rPr lang="en-US" altLang="en-US" sz="2800"/>
-              <a:t>Rubah classuser1.jsp menjadi classuser1controller.jsp dan classuser1view.jsp.</a:t>
-            </a:r>
-            <a:endParaRPr lang="en-US" altLang="en-US" sz="2800"/>
-          </a:p>
-          <a:p>
-            <a:endParaRPr lang="en-US" altLang="en-US" sz="2800"/>
+            <a:endParaRPr lang="en-US"/>
           </a:p>
         </p:txBody>
       </p:sp>

--- a/docs/res/Java EE - Pertemuan 6.pptx
+++ b/docs/res/Java EE - Pertemuan 6.pptx
@@ -4064,11 +4064,13 @@
           <a:p>
             <a:pPr lvl="1"/>
             <a:r>
-              <a:rPr lang="en-US" altLang="en-US"/>
+              <a:rPr lang="en-US" altLang="en-US">
+                <a:hlinkClick r:id="rId1" tooltip="" action="ppaction://hlinkfile"/>
+              </a:rPr>
               <a:t>jstl1.jsp</a:t>
             </a:r>
             <a:endParaRPr lang="en-US" altLang="en-US">
-              <a:hlinkClick r:id="rId1" action="ppaction://hlinkfile"/>
+              <a:hlinkClick r:id="rId2" action="ppaction://hlinkfile"/>
             </a:endParaRPr>
           </a:p>
           <a:p>
@@ -4088,34 +4090,27 @@
             <a:r>
               <a:rPr lang="en-US" altLang="en-US" sz="3200">
                 <a:sym typeface="+mn-ea"/>
-                <a:hlinkClick r:id="rId2" action="ppaction://hlinkfile"/>
+                <a:hlinkClick r:id="rId3" tooltip="" action="ppaction://hlinkfile"/>
               </a:rPr>
               <a:t>Sisw</a:t>
             </a:r>
             <a:r>
               <a:rPr lang="en-US" altLang="en-US" sz="3200">
                 <a:sym typeface="+mn-ea"/>
-                <a:hlinkClick r:id="rId3" action="ppaction://hlinkfile"/>
+                <a:hlinkClick r:id="rId3" tooltip="" action="ppaction://hlinkfile"/>
               </a:rPr>
-              <a:t>a</a:t>
-            </a:r>
+              <a:t>a.java</a:t>
+            </a:r>
+            <a:endParaRPr lang="en-US" altLang="en-US" sz="3200"/>
+          </a:p>
+          <a:p>
+            <a:pPr lvl="1"/>
             <a:r>
               <a:rPr lang="en-US" altLang="en-US" sz="3200">
                 <a:sym typeface="+mn-ea"/>
-                <a:hlinkClick r:id="rId2" action="ppaction://hlinkfile"/>
+                <a:hlinkClick r:id="rId4" tooltip="" action="ppaction://hlinkfile"/>
               </a:rPr>
-              <a:t>.class</a:t>
-            </a:r>
-            <a:endParaRPr lang="en-US" altLang="en-US" sz="3200"/>
-          </a:p>
-          <a:p>
-            <a:pPr lvl="1"/>
-            <a:r>
-              <a:rPr lang="en-US" altLang="en-US" sz="3200">
-                <a:sym typeface="+mn-ea"/>
-                <a:hlinkClick r:id="rId4" action="ppaction://hlinkfile"/>
-              </a:rPr>
-              <a:t>Daftar.class</a:t>
+              <a:t>Daftar.java</a:t>
             </a:r>
             <a:endParaRPr lang="en-US" altLang="en-US" sz="3200">
               <a:sym typeface="+mn-ea"/>

--- a/docs/res/Java EE - Pertemuan 6.pptx
+++ b/docs/res/Java EE - Pertemuan 6.pptx
@@ -4064,12 +4064,12 @@
           <a:p>
             <a:pPr lvl="1"/>
             <a:r>
-              <a:rPr lang="en-US" altLang="en-US">
-                <a:hlinkClick r:id="rId1" tooltip="" action="ppaction://hlinkfile"/>
+              <a:rPr lang="en-US" altLang="en-US" sz="3200">
+                <a:hlinkClick r:id="rId1" action="ppaction://hlinkfile"/>
               </a:rPr>
               <a:t>jstl1.jsp</a:t>
             </a:r>
-            <a:endParaRPr lang="en-US" altLang="en-US">
+            <a:endParaRPr lang="en-US" altLang="en-US" sz="3200">
               <a:hlinkClick r:id="rId2" action="ppaction://hlinkfile"/>
             </a:endParaRPr>
           </a:p>
@@ -4090,14 +4090,14 @@
             <a:r>
               <a:rPr lang="en-US" altLang="en-US" sz="3200">
                 <a:sym typeface="+mn-ea"/>
-                <a:hlinkClick r:id="rId3" tooltip="" action="ppaction://hlinkfile"/>
+                <a:hlinkClick r:id="rId3" action="ppaction://hlinkfile"/>
               </a:rPr>
               <a:t>Sisw</a:t>
             </a:r>
             <a:r>
               <a:rPr lang="en-US" altLang="en-US" sz="3200">
                 <a:sym typeface="+mn-ea"/>
-                <a:hlinkClick r:id="rId3" tooltip="" action="ppaction://hlinkfile"/>
+                <a:hlinkClick r:id="rId3" action="ppaction://hlinkfile"/>
               </a:rPr>
               <a:t>a.java</a:t>
             </a:r>
@@ -4108,7 +4108,7 @@
             <a:r>
               <a:rPr lang="en-US" altLang="en-US" sz="3200">
                 <a:sym typeface="+mn-ea"/>
-                <a:hlinkClick r:id="rId4" tooltip="" action="ppaction://hlinkfile"/>
+                <a:hlinkClick r:id="rId4" action="ppaction://hlinkfile"/>
               </a:rPr>
               <a:t>Daftar.java</a:t>
             </a:r>
